--- a/Data Acquisition and Data Wrangling.pptx
+++ b/Data Acquisition and Data Wrangling.pptx
@@ -18,7 +18,8 @@
     <p:sldId id="266" r:id="rId12"/>
     <p:sldId id="267" r:id="rId13"/>
     <p:sldId id="268" r:id="rId14"/>
-    <p:sldId id="269" r:id="rId15"/>
+    <p:sldId id="270" r:id="rId15"/>
+    <p:sldId id="269" r:id="rId16"/>
   </p:sldIdLst>
   <p:sldSz cx="12192000" cy="6858000"/>
   <p:notesSz cx="6858000" cy="9144000"/>
@@ -354,7 +355,7 @@
           <a:p>
             <a:fld id="{8C6160D8-31A3-4E42-9A5D-7C07B55F77AC}" type="datetimeFigureOut">
               <a:rPr lang="en-IN" smtClean="0"/>
-              <a:t>11-03-2025</a:t>
+              <a:t>17-03-2025</a:t>
             </a:fld>
             <a:endParaRPr lang="en-IN" dirty="0"/>
           </a:p>
@@ -687,7 +688,7 @@
           <a:p>
             <a:fld id="{8C6160D8-31A3-4E42-9A5D-7C07B55F77AC}" type="datetimeFigureOut">
               <a:rPr lang="en-IN" smtClean="0"/>
-              <a:t>11-03-2025</a:t>
+              <a:t>17-03-2025</a:t>
             </a:fld>
             <a:endParaRPr lang="en-IN" dirty="0"/>
           </a:p>
@@ -965,7 +966,7 @@
           <a:p>
             <a:fld id="{8C6160D8-31A3-4E42-9A5D-7C07B55F77AC}" type="datetimeFigureOut">
               <a:rPr lang="en-IN" smtClean="0"/>
-              <a:t>11-03-2025</a:t>
+              <a:t>17-03-2025</a:t>
             </a:fld>
             <a:endParaRPr lang="en-IN" dirty="0"/>
           </a:p>
@@ -1533,7 +1534,7 @@
           <a:p>
             <a:fld id="{8C6160D8-31A3-4E42-9A5D-7C07B55F77AC}" type="datetimeFigureOut">
               <a:rPr lang="en-IN" smtClean="0"/>
-              <a:t>11-03-2025</a:t>
+              <a:t>17-03-2025</a:t>
             </a:fld>
             <a:endParaRPr lang="en-IN" dirty="0"/>
           </a:p>
@@ -1811,7 +1812,7 @@
           <a:p>
             <a:fld id="{8C6160D8-31A3-4E42-9A5D-7C07B55F77AC}" type="datetimeFigureOut">
               <a:rPr lang="en-IN" smtClean="0"/>
-              <a:t>11-03-2025</a:t>
+              <a:t>17-03-2025</a:t>
             </a:fld>
             <a:endParaRPr lang="en-IN" dirty="0"/>
           </a:p>
@@ -2373,7 +2374,7 @@
           <a:p>
             <a:fld id="{8C6160D8-31A3-4E42-9A5D-7C07B55F77AC}" type="datetimeFigureOut">
               <a:rPr lang="en-IN" smtClean="0"/>
-              <a:t>11-03-2025</a:t>
+              <a:t>17-03-2025</a:t>
             </a:fld>
             <a:endParaRPr lang="en-IN" dirty="0"/>
           </a:p>
@@ -2700,7 +2701,7 @@
           <a:p>
             <a:fld id="{8C6160D8-31A3-4E42-9A5D-7C07B55F77AC}" type="datetimeFigureOut">
               <a:rPr lang="en-IN" smtClean="0"/>
-              <a:t>11-03-2025</a:t>
+              <a:t>17-03-2025</a:t>
             </a:fld>
             <a:endParaRPr lang="en-IN" dirty="0"/>
           </a:p>
@@ -2877,7 +2878,7 @@
           <a:p>
             <a:fld id="{8C6160D8-31A3-4E42-9A5D-7C07B55F77AC}" type="datetimeFigureOut">
               <a:rPr lang="en-IN" smtClean="0"/>
-              <a:t>11-03-2025</a:t>
+              <a:t>17-03-2025</a:t>
             </a:fld>
             <a:endParaRPr lang="en-IN" dirty="0"/>
           </a:p>
@@ -3115,7 +3116,7 @@
           <a:p>
             <a:fld id="{8C6160D8-31A3-4E42-9A5D-7C07B55F77AC}" type="datetimeFigureOut">
               <a:rPr lang="en-IN" smtClean="0"/>
-              <a:t>11-03-2025</a:t>
+              <a:t>17-03-2025</a:t>
             </a:fld>
             <a:endParaRPr lang="en-IN" dirty="0"/>
           </a:p>
@@ -3315,7 +3316,7 @@
           <a:p>
             <a:fld id="{8C6160D8-31A3-4E42-9A5D-7C07B55F77AC}" type="datetimeFigureOut">
               <a:rPr lang="en-IN" smtClean="0"/>
-              <a:t>11-03-2025</a:t>
+              <a:t>17-03-2025</a:t>
             </a:fld>
             <a:endParaRPr lang="en-IN" dirty="0"/>
           </a:p>
@@ -3591,7 +3592,7 @@
           <a:p>
             <a:fld id="{8C6160D8-31A3-4E42-9A5D-7C07B55F77AC}" type="datetimeFigureOut">
               <a:rPr lang="en-IN" smtClean="0"/>
-              <a:t>11-03-2025</a:t>
+              <a:t>17-03-2025</a:t>
             </a:fld>
             <a:endParaRPr lang="en-IN" dirty="0"/>
           </a:p>
@@ -3857,7 +3858,7 @@
           <a:p>
             <a:fld id="{8C6160D8-31A3-4E42-9A5D-7C07B55F77AC}" type="datetimeFigureOut">
               <a:rPr lang="en-IN" smtClean="0"/>
-              <a:t>11-03-2025</a:t>
+              <a:t>17-03-2025</a:t>
             </a:fld>
             <a:endParaRPr lang="en-IN" dirty="0"/>
           </a:p>
@@ -4231,7 +4232,7 @@
           <a:p>
             <a:fld id="{8C6160D8-31A3-4E42-9A5D-7C07B55F77AC}" type="datetimeFigureOut">
               <a:rPr lang="en-IN" smtClean="0"/>
-              <a:t>11-03-2025</a:t>
+              <a:t>17-03-2025</a:t>
             </a:fld>
             <a:endParaRPr lang="en-IN" dirty="0"/>
           </a:p>
@@ -4379,7 +4380,7 @@
           <a:p>
             <a:fld id="{8C6160D8-31A3-4E42-9A5D-7C07B55F77AC}" type="datetimeFigureOut">
               <a:rPr lang="en-IN" smtClean="0"/>
-              <a:t>11-03-2025</a:t>
+              <a:t>17-03-2025</a:t>
             </a:fld>
             <a:endParaRPr lang="en-IN" dirty="0"/>
           </a:p>
@@ -4504,7 +4505,7 @@
           <a:p>
             <a:fld id="{8C6160D8-31A3-4E42-9A5D-7C07B55F77AC}" type="datetimeFigureOut">
               <a:rPr lang="en-IN" smtClean="0"/>
-              <a:t>11-03-2025</a:t>
+              <a:t>17-03-2025</a:t>
             </a:fld>
             <a:endParaRPr lang="en-IN" dirty="0"/>
           </a:p>
@@ -4789,7 +4790,7 @@
           <a:p>
             <a:fld id="{8C6160D8-31A3-4E42-9A5D-7C07B55F77AC}" type="datetimeFigureOut">
               <a:rPr lang="en-IN" smtClean="0"/>
-              <a:t>11-03-2025</a:t>
+              <a:t>17-03-2025</a:t>
             </a:fld>
             <a:endParaRPr lang="en-IN" dirty="0"/>
           </a:p>
@@ -5112,7 +5113,7 @@
           <a:p>
             <a:fld id="{8C6160D8-31A3-4E42-9A5D-7C07B55F77AC}" type="datetimeFigureOut">
               <a:rPr lang="en-IN" smtClean="0"/>
-              <a:t>11-03-2025</a:t>
+              <a:t>17-03-2025</a:t>
             </a:fld>
             <a:endParaRPr lang="en-IN" dirty="0"/>
           </a:p>
@@ -5326,7 +5327,7 @@
           <a:p>
             <a:fld id="{8C6160D8-31A3-4E42-9A5D-7C07B55F77AC}" type="datetimeFigureOut">
               <a:rPr lang="en-IN" smtClean="0"/>
-              <a:t>11-03-2025</a:t>
+              <a:t>17-03-2025</a:t>
             </a:fld>
             <a:endParaRPr lang="en-IN" dirty="0"/>
           </a:p>
@@ -6292,10 +6293,12 @@
           <a:bodyPr wrap="square" lIns="0" tIns="0" rIns="0" bIns="0" rtlCol="0" anchor="t"/>
           <a:lstStyle/>
           <a:p>
-            <a:pPr>
+            <a:pPr marL="342900" indent="-342900">
               <a:lnSpc>
-                <a:spcPts val="2970"/>
+                <a:spcPct val="150000"/>
               </a:lnSpc>
+              <a:buFont typeface="Arial" panose="020B0604020202020204" pitchFamily="34" charset="0"/>
+              <a:buChar char="•"/>
             </a:pPr>
             <a:r>
               <a:rPr lang="en-US" sz="2000" dirty="0"/>
@@ -6303,10 +6306,12 @@
             </a:r>
           </a:p>
           <a:p>
-            <a:pPr>
+            <a:pPr marL="342900" indent="-342900">
               <a:lnSpc>
-                <a:spcPts val="2970"/>
+                <a:spcPct val="150000"/>
               </a:lnSpc>
+              <a:buFont typeface="Arial" panose="020B0604020202020204" pitchFamily="34" charset="0"/>
+              <a:buChar char="•"/>
             </a:pPr>
             <a:r>
               <a:rPr lang="en-US" sz="2000" dirty="0"/>
@@ -6314,10 +6319,12 @@
             </a:r>
           </a:p>
           <a:p>
-            <a:pPr>
+            <a:pPr marL="342900" indent="-342900">
               <a:lnSpc>
-                <a:spcPts val="2970"/>
+                <a:spcPct val="150000"/>
               </a:lnSpc>
+              <a:buFont typeface="Arial" panose="020B0604020202020204" pitchFamily="34" charset="0"/>
+              <a:buChar char="•"/>
             </a:pPr>
             <a:r>
               <a:rPr lang="en-US" sz="2000" dirty="0"/>
@@ -7461,7 +7468,7 @@
         </p:nvSpPr>
         <p:spPr>
           <a:xfrm>
-            <a:off x="215153" y="4182037"/>
+            <a:off x="215153" y="4128249"/>
             <a:ext cx="5382443" cy="1517904"/>
           </a:xfrm>
           <a:prstGeom prst="rect">
@@ -7556,6 +7563,127 @@
               <a:latin typeface="Arial" panose="020B0604020202020204" pitchFamily="34" charset="0"/>
               <a:cs typeface="Arial" panose="020B0604020202020204" pitchFamily="34" charset="0"/>
             </a:endParaRPr>
+          </a:p>
+        </p:txBody>
+      </p:sp>
+      <p:sp>
+        <p:nvSpPr>
+          <p:cNvPr id="2" name="Text 1">
+            <a:extLst>
+              <a:ext uri="{FF2B5EF4-FFF2-40B4-BE49-F238E27FC236}">
+                <a16:creationId xmlns:a16="http://schemas.microsoft.com/office/drawing/2014/main" id="{CB45CADC-7314-8B42-BBEE-C011C612367E}"/>
+              </a:ext>
+            </a:extLst>
+          </p:cNvPr>
+          <p:cNvSpPr/>
+          <p:nvPr/>
+        </p:nvSpPr>
+        <p:spPr>
+          <a:xfrm>
+            <a:off x="6412022" y="4195484"/>
+            <a:ext cx="5382443" cy="1517904"/>
+          </a:xfrm>
+          <a:prstGeom prst="rect">
+            <a:avLst/>
+          </a:prstGeom>
+          <a:noFill/>
+          <a:ln/>
+        </p:spPr>
+        <p:txBody>
+          <a:bodyPr wrap="square" lIns="0" tIns="0" rIns="0" bIns="0" rtlCol="0" anchor="t"/>
+          <a:lstStyle/>
+          <a:p>
+            <a:pPr marL="342900" indent="-342900" algn="l">
+              <a:lnSpc>
+                <a:spcPts val="2970"/>
+              </a:lnSpc>
+              <a:buFont typeface="Arial" panose="020B0604020202020204" pitchFamily="34" charset="0"/>
+              <a:buChar char="•"/>
+            </a:pPr>
+            <a:r>
+              <a:rPr lang="en-US" sz="2000" dirty="0"/>
+              <a:t>Low-variance and constant columns are removed, improving efficiency.</a:t>
+            </a:r>
+          </a:p>
+          <a:p>
+            <a:pPr marL="342900" indent="-342900" algn="l">
+              <a:lnSpc>
+                <a:spcPts val="2970"/>
+              </a:lnSpc>
+              <a:buFont typeface="Arial" panose="020B0604020202020204" pitchFamily="34" charset="0"/>
+              <a:buChar char="•"/>
+            </a:pPr>
+            <a:r>
+              <a:rPr lang="en-US" sz="2000" dirty="0"/>
+              <a:t>Ensures only meaningful features are kept for further analysis.</a:t>
+            </a:r>
+          </a:p>
+          <a:p>
+            <a:pPr marL="342900" indent="-342900" algn="l">
+              <a:lnSpc>
+                <a:spcPts val="2970"/>
+              </a:lnSpc>
+              <a:buFont typeface="Arial" panose="020B0604020202020204" pitchFamily="34" charset="0"/>
+              <a:buChar char="•"/>
+            </a:pPr>
+            <a:r>
+              <a:rPr lang="en-US" sz="2000" dirty="0"/>
+              <a:t>Correlation heatmap highlights relationships, revealing which features are dependent.</a:t>
+            </a:r>
+            <a:endParaRPr lang="en-US" sz="1850" dirty="0">
+              <a:latin typeface="Arial" panose="020B0604020202020204" pitchFamily="34" charset="0"/>
+              <a:cs typeface="Arial" panose="020B0604020202020204" pitchFamily="34" charset="0"/>
+            </a:endParaRPr>
+          </a:p>
+        </p:txBody>
+      </p:sp>
+      <p:sp>
+        <p:nvSpPr>
+          <p:cNvPr id="4" name="Rectangle 3">
+            <a:extLst>
+              <a:ext uri="{FF2B5EF4-FFF2-40B4-BE49-F238E27FC236}">
+                <a16:creationId xmlns:a16="http://schemas.microsoft.com/office/drawing/2014/main" id="{764ECE6C-119D-809A-5D39-35C68C745751}"/>
+              </a:ext>
+            </a:extLst>
+          </p:cNvPr>
+          <p:cNvSpPr/>
+          <p:nvPr/>
+        </p:nvSpPr>
+        <p:spPr>
+          <a:xfrm>
+            <a:off x="5809129" y="847164"/>
+            <a:ext cx="153227" cy="6010835"/>
+          </a:xfrm>
+          <a:prstGeom prst="rect">
+            <a:avLst/>
+          </a:prstGeom>
+          <a:blipFill>
+            <a:blip r:embed="rId4"/>
+            <a:tile tx="0" ty="0" sx="100000" sy="100000" flip="none" algn="tl"/>
+          </a:blipFill>
+        </p:spPr>
+        <p:style>
+          <a:lnRef idx="2">
+            <a:schemeClr val="accent1">
+              <a:shade val="15000"/>
+            </a:schemeClr>
+          </a:lnRef>
+          <a:fillRef idx="1">
+            <a:schemeClr val="accent1"/>
+          </a:fillRef>
+          <a:effectRef idx="0">
+            <a:schemeClr val="accent1"/>
+          </a:effectRef>
+          <a:fontRef idx="minor">
+            <a:schemeClr val="lt1"/>
+          </a:fontRef>
+        </p:style>
+        <p:txBody>
+          <a:bodyPr rtlCol="0" anchor="ctr"/>
+          <a:lstStyle/>
+          <a:p>
+            <a:pPr algn="ctr"/>
+            <a:endParaRPr lang="en-IN"/>
           </a:p>
         </p:txBody>
       </p:sp>
@@ -7603,6 +7731,158 @@
       </p:grpSpPr>
       <p:sp>
         <p:nvSpPr>
+          <p:cNvPr id="2" name="Text 0">
+            <a:extLst>
+              <a:ext uri="{FF2B5EF4-FFF2-40B4-BE49-F238E27FC236}">
+                <a16:creationId xmlns:a16="http://schemas.microsoft.com/office/drawing/2014/main" id="{56E5B47A-E6EC-73AC-DB49-E9F163E8EF76}"/>
+              </a:ext>
+            </a:extLst>
+          </p:cNvPr>
+          <p:cNvSpPr/>
+          <p:nvPr/>
+        </p:nvSpPr>
+        <p:spPr>
+          <a:xfrm>
+            <a:off x="215153" y="118333"/>
+            <a:ext cx="1465729" cy="6712773"/>
+          </a:xfrm>
+          <a:prstGeom prst="rect">
+            <a:avLst/>
+          </a:prstGeom>
+          <a:noFill/>
+          <a:ln/>
+        </p:spPr>
+        <p:txBody>
+          <a:bodyPr vert="vert270" wrap="none" lIns="0" tIns="0" rIns="0" bIns="0" rtlCol="0" anchor="t"/>
+          <a:lstStyle/>
+          <a:p>
+            <a:pPr algn="ctr">
+              <a:lnSpc>
+                <a:spcPts val="5800"/>
+              </a:lnSpc>
+            </a:pPr>
+            <a:r>
+              <a:rPr lang="en-US" sz="5200" dirty="0">
+                <a:effectLst>
+                  <a:outerShdw blurRad="38100" dist="38100" dir="2700000" algn="tl">
+                    <a:srgbClr val="000000">
+                      <a:alpha val="43137"/>
+                    </a:srgbClr>
+                  </a:outerShdw>
+                </a:effectLst>
+                <a:latin typeface="Britannic Bold" panose="020B0903060703020204" pitchFamily="34" charset="0"/>
+                <a:ea typeface="NotoSans-NotoSans-SemiBold" pitchFamily="34" charset="-122"/>
+              </a:rPr>
+              <a:t>IMPORTANT </a:t>
+            </a:r>
+            <a:r>
+              <a:rPr lang="en-IN" sz="5200" dirty="0">
+                <a:effectLst>
+                  <a:outerShdw blurRad="38100" dist="38100" dir="2700000" algn="tl">
+                    <a:srgbClr val="000000">
+                      <a:alpha val="43137"/>
+                    </a:srgbClr>
+                  </a:outerShdw>
+                </a:effectLst>
+                <a:latin typeface="Britannic Bold" panose="020B0903060703020204" pitchFamily="34" charset="0"/>
+                <a:ea typeface="NotoSans-NotoSans-SemiBold" pitchFamily="34" charset="-122"/>
+              </a:rPr>
+              <a:t>INSIGHTS</a:t>
+            </a:r>
+            <a:endParaRPr lang="en-US" sz="5200" dirty="0">
+              <a:effectLst>
+                <a:outerShdw blurRad="38100" dist="38100" dir="2700000" algn="tl">
+                  <a:srgbClr val="000000">
+                    <a:alpha val="43137"/>
+                  </a:srgbClr>
+                </a:outerShdw>
+              </a:effectLst>
+              <a:latin typeface="Britannic Bold" panose="020B0903060703020204" pitchFamily="34" charset="0"/>
+              <a:ea typeface="NotoSans-NotoSans-SemiBold" pitchFamily="34" charset="-122"/>
+            </a:endParaRPr>
+          </a:p>
+        </p:txBody>
+      </p:sp>
+      <p:pic>
+        <p:nvPicPr>
+          <p:cNvPr id="4" name="Picture 3">
+            <a:extLst>
+              <a:ext uri="{FF2B5EF4-FFF2-40B4-BE49-F238E27FC236}">
+                <a16:creationId xmlns:a16="http://schemas.microsoft.com/office/drawing/2014/main" id="{7D8F707F-F0B2-D439-AB7B-A596EEFA8F2F}"/>
+              </a:ext>
+            </a:extLst>
+          </p:cNvPr>
+          <p:cNvPicPr>
+            <a:picLocks noChangeAspect="1"/>
+          </p:cNvPicPr>
+          <p:nvPr/>
+        </p:nvPicPr>
+        <p:blipFill>
+          <a:blip r:embed="rId2">
+            <a:extLst>
+              <a:ext uri="{28A0092B-C50C-407E-A947-70E740481C1C}">
+                <a14:useLocalDpi xmlns:a14="http://schemas.microsoft.com/office/drawing/2010/main" val="0"/>
+              </a:ext>
+            </a:extLst>
+          </a:blip>
+          <a:stretch>
+            <a:fillRect/>
+          </a:stretch>
+        </p:blipFill>
+        <p:spPr>
+          <a:xfrm>
+            <a:off x="2796983" y="-336176"/>
+            <a:ext cx="7680314" cy="7342094"/>
+          </a:xfrm>
+          <a:prstGeom prst="rect">
+            <a:avLst/>
+          </a:prstGeom>
+        </p:spPr>
+      </p:pic>
+    </p:spTree>
+    <p:extLst>
+      <p:ext uri="{BB962C8B-B14F-4D97-AF65-F5344CB8AC3E}">
+        <p14:creationId xmlns:p14="http://schemas.microsoft.com/office/powerpoint/2010/main" val="4215289149"/>
+      </p:ext>
+    </p:extLst>
+  </p:cSld>
+  <p:clrMapOvr>
+    <a:masterClrMapping/>
+  </p:clrMapOvr>
+  <mc:AlternateContent xmlns:mc="http://schemas.openxmlformats.org/markup-compatibility/2006" xmlns:p14="http://schemas.microsoft.com/office/powerpoint/2010/main">
+    <mc:Choice Requires="p14">
+      <p:transition spd="slow" p14:dur="1500">
+        <p:split orient="vert"/>
+      </p:transition>
+    </mc:Choice>
+    <mc:Fallback xmlns="">
+      <p:transition spd="slow">
+        <p:split orient="vert"/>
+      </p:transition>
+    </mc:Fallback>
+  </mc:AlternateContent>
+</p:sld>
+</file>
+
+<file path=ppt/slides/slide15.xml><?xml version="1.0" encoding="utf-8"?>
+<p:sld xmlns:a="http://schemas.openxmlformats.org/drawingml/2006/main" xmlns:r="http://schemas.openxmlformats.org/officeDocument/2006/relationships" xmlns:p="http://schemas.openxmlformats.org/presentationml/2006/main">
+  <p:cSld>
+    <p:spTree>
+      <p:nvGrpSpPr>
+        <p:cNvPr id="1" name=""/>
+        <p:cNvGrpSpPr/>
+        <p:nvPr/>
+      </p:nvGrpSpPr>
+      <p:grpSpPr>
+        <a:xfrm>
+          <a:off x="0" y="0"/>
+          <a:ext cx="0" cy="0"/>
+          <a:chOff x="0" y="0"/>
+          <a:chExt cx="0" cy="0"/>
+        </a:xfrm>
+      </p:grpSpPr>
+      <p:sp>
+        <p:nvSpPr>
           <p:cNvPr id="4" name="Text 1">
             <a:extLst>
               <a:ext uri="{FF2B5EF4-FFF2-40B4-BE49-F238E27FC236}">
@@ -7615,7 +7895,7 @@
         </p:nvSpPr>
         <p:spPr>
           <a:xfrm>
-            <a:off x="470658" y="3452385"/>
+            <a:off x="470658" y="3102763"/>
             <a:ext cx="6840064" cy="907775"/>
           </a:xfrm>
           <a:prstGeom prst="rect">
@@ -7629,9 +7909,6 @@
           <a:lstStyle/>
           <a:p>
             <a:pPr marL="0" indent="0">
-              <a:lnSpc>
-                <a:spcPts val="2700"/>
-              </a:lnSpc>
               <a:buNone/>
             </a:pPr>
             <a:r>
@@ -7641,19 +7918,63 @@
                     <a:lumMod val="85000"/>
                   </a:schemeClr>
                 </a:solidFill>
-                <a:latin typeface="Montserrat" pitchFamily="34" charset="0"/>
-                <a:ea typeface="Montserrat" pitchFamily="34" charset="-122"/>
-                <a:cs typeface="Montserrat" pitchFamily="34" charset="-120"/>
+                <a:effectLst>
+                  <a:outerShdw blurRad="38100" dist="38100" dir="2700000" algn="tl">
+                    <a:srgbClr val="000000">
+                      <a:alpha val="43137"/>
+                    </a:srgbClr>
+                  </a:outerShdw>
+                </a:effectLst>
+                <a:latin typeface="Arial" panose="020B0604020202020204" pitchFamily="34" charset="0"/>
+                <a:cs typeface="Arial" panose="020B0604020202020204" pitchFamily="34" charset="0"/>
               </a:rPr>
-              <a:t>I appreciate you taking the time to view this presentation and hope you enjoyed it.</a:t>
-            </a:r>
+              <a:t>Thank you for taking the time to check out my presentation. I truly appreciate your attention and interest. I hope you found the insights valuable and informative.</a:t>
+            </a:r>
+          </a:p>
+          <a:p>
+            <a:pPr marL="0" indent="0">
+              <a:buNone/>
+            </a:pPr>
             <a:endParaRPr lang="en-US" sz="2400" dirty="0">
               <a:solidFill>
                 <a:schemeClr val="tx1">
                   <a:lumMod val="85000"/>
                 </a:schemeClr>
               </a:solidFill>
+              <a:effectLst>
+                <a:outerShdw blurRad="38100" dist="38100" dir="2700000" algn="tl">
+                  <a:srgbClr val="000000">
+                    <a:alpha val="43137"/>
+                  </a:srgbClr>
+                </a:outerShdw>
+              </a:effectLst>
+              <a:latin typeface="Arial" panose="020B0604020202020204" pitchFamily="34" charset="0"/>
+              <a:cs typeface="Arial" panose="020B0604020202020204" pitchFamily="34" charset="0"/>
             </a:endParaRPr>
+          </a:p>
+          <a:p>
+            <a:pPr marL="0" indent="0">
+              <a:buNone/>
+            </a:pPr>
+            <a:r>
+              <a:rPr lang="en-US" sz="2400" dirty="0">
+                <a:solidFill>
+                  <a:schemeClr val="tx1">
+                    <a:lumMod val="85000"/>
+                  </a:schemeClr>
+                </a:solidFill>
+                <a:effectLst>
+                  <a:outerShdw blurRad="38100" dist="38100" dir="2700000" algn="tl">
+                    <a:srgbClr val="000000">
+                      <a:alpha val="43137"/>
+                    </a:srgbClr>
+                  </a:outerShdw>
+                </a:effectLst>
+                <a:latin typeface="Arial" panose="020B0604020202020204" pitchFamily="34" charset="0"/>
+                <a:cs typeface="Arial" panose="020B0604020202020204" pitchFamily="34" charset="0"/>
+              </a:rPr>
+              <a:t>Once again, thank you for your time and support!</a:t>
+            </a:r>
           </a:p>
         </p:txBody>
       </p:sp>
@@ -7671,7 +7992,7 @@
         </p:nvSpPr>
         <p:spPr>
           <a:xfrm>
-            <a:off x="470658" y="2504648"/>
+            <a:off x="470658" y="2181918"/>
             <a:ext cx="5701546" cy="712708"/>
           </a:xfrm>
           <a:prstGeom prst="rect">
@@ -9756,10 +10077,12 @@
           <a:bodyPr wrap="square" lIns="0" tIns="0" rIns="0" bIns="0" rtlCol="0" anchor="t"/>
           <a:lstStyle/>
           <a:p>
-            <a:pPr>
+            <a:pPr marL="342900" indent="-342900">
               <a:lnSpc>
                 <a:spcPts val="2970"/>
               </a:lnSpc>
+              <a:buFont typeface="Arial" panose="020B0604020202020204" pitchFamily="34" charset="0"/>
+              <a:buChar char="•"/>
             </a:pPr>
             <a:r>
               <a:rPr lang="en-US" sz="2000" dirty="0"/>
@@ -9767,10 +10090,12 @@
             </a:r>
           </a:p>
           <a:p>
-            <a:pPr>
+            <a:pPr marL="342900" indent="-342900">
               <a:lnSpc>
                 <a:spcPts val="2970"/>
               </a:lnSpc>
+              <a:buFont typeface="Arial" panose="020B0604020202020204" pitchFamily="34" charset="0"/>
+              <a:buChar char="•"/>
             </a:pPr>
             <a:r>
               <a:rPr lang="en-US" sz="2000" dirty="0"/>
@@ -9935,7 +10260,7 @@
         </p:nvSpPr>
         <p:spPr>
           <a:xfrm>
-            <a:off x="8173482" y="139855"/>
+            <a:off x="8121210" y="653669"/>
             <a:ext cx="3776472" cy="374904"/>
           </a:xfrm>
           <a:prstGeom prst="rect">
@@ -9979,7 +10304,7 @@
         </p:nvSpPr>
         <p:spPr>
           <a:xfrm>
-            <a:off x="8080070" y="551334"/>
+            <a:off x="8039729" y="1037852"/>
             <a:ext cx="3776472" cy="496466"/>
           </a:xfrm>
           <a:prstGeom prst="rect">
@@ -10043,7 +10368,7 @@
         </p:nvSpPr>
         <p:spPr>
           <a:xfrm>
-            <a:off x="8173482" y="1922126"/>
+            <a:off x="8080070" y="2722220"/>
             <a:ext cx="3776472" cy="374904"/>
           </a:xfrm>
           <a:prstGeom prst="rect">
@@ -10092,7 +10417,7 @@
         </p:nvSpPr>
         <p:spPr>
           <a:xfrm>
-            <a:off x="8080070" y="2290305"/>
+            <a:off x="8080070" y="3097124"/>
             <a:ext cx="4111930" cy="3760876"/>
           </a:xfrm>
           <a:prstGeom prst="rect">
@@ -10105,10 +10430,12 @@
           <a:bodyPr wrap="square" lIns="0" tIns="0" rIns="0" bIns="0" rtlCol="0" anchor="t"/>
           <a:lstStyle/>
           <a:p>
-            <a:pPr>
+            <a:pPr marL="342900" indent="-342900">
               <a:lnSpc>
                 <a:spcPts val="2970"/>
               </a:lnSpc>
+              <a:buFont typeface="Arial" panose="020B0604020202020204" pitchFamily="34" charset="0"/>
+              <a:buChar char="•"/>
             </a:pPr>
             <a:r>
               <a:rPr lang="en-IN" sz="2000" b="1" dirty="0">
@@ -10136,10 +10463,12 @@
             </a:r>
           </a:p>
           <a:p>
-            <a:pPr>
+            <a:pPr marL="342900" indent="-342900">
               <a:lnSpc>
                 <a:spcPts val="2970"/>
               </a:lnSpc>
+              <a:buFont typeface="Arial" panose="020B0604020202020204" pitchFamily="34" charset="0"/>
+              <a:buChar char="•"/>
             </a:pPr>
             <a:r>
               <a:rPr lang="en-IN" sz="2000" b="1" dirty="0"/>
@@ -10163,10 +10492,12 @@
             </a:r>
           </a:p>
           <a:p>
-            <a:pPr>
+            <a:pPr marL="342900" indent="-342900">
               <a:lnSpc>
                 <a:spcPts val="2970"/>
               </a:lnSpc>
+              <a:buFont typeface="Arial" panose="020B0604020202020204" pitchFamily="34" charset="0"/>
+              <a:buChar char="•"/>
             </a:pPr>
             <a:r>
               <a:rPr lang="en-IN" sz="2000" b="1" dirty="0"/>
@@ -10189,32 +10520,68 @@
               <a:t>- If points are scattered, wind speed may have little impact on rentals.</a:t>
             </a:r>
           </a:p>
-          <a:p>
-            <a:pPr>
-              <a:lnSpc>
-                <a:spcPts val="2970"/>
-              </a:lnSpc>
-            </a:pPr>
-            <a:r>
-              <a:rPr lang="en-IN" sz="2000" b="1" dirty="0"/>
-              <a:t>Correlations</a:t>
-            </a:r>
-            <a:r>
-              <a:rPr lang="en-IN" sz="2000" dirty="0"/>
-              <a:t> </a:t>
-            </a:r>
-            <a:r>
-              <a:rPr lang="en-US" sz="2000" dirty="0"/>
-              <a:t>- Strong linear patterns indicate a strong relationship between two variables.</a:t>
-            </a:r>
-            <a:endParaRPr lang="en-US" sz="1850" dirty="0">
-              <a:latin typeface="Arial" panose="020B0604020202020204" pitchFamily="34" charset="0"/>
-              <a:ea typeface="NotoSans-NotoSans-Thin" pitchFamily="34" charset="-122"/>
-              <a:cs typeface="Arial" panose="020B0604020202020204" pitchFamily="34" charset="0"/>
-            </a:endParaRPr>
-          </a:p>
-        </p:txBody>
-      </p:sp>
+        </p:txBody>
+      </p:sp>
+      <p:pic>
+        <p:nvPicPr>
+          <p:cNvPr id="2" name="Image 2" descr="preencoded.png">
+            <a:extLst>
+              <a:ext uri="{FF2B5EF4-FFF2-40B4-BE49-F238E27FC236}">
+                <a16:creationId xmlns:a16="http://schemas.microsoft.com/office/drawing/2014/main" id="{1C8F9181-81AB-650B-D6D4-FA1174AC94F7}"/>
+              </a:ext>
+            </a:extLst>
+          </p:cNvPr>
+          <p:cNvPicPr>
+            <a:picLocks noChangeAspect="1"/>
+          </p:cNvPicPr>
+          <p:nvPr/>
+        </p:nvPicPr>
+        <p:blipFill>
+          <a:blip r:embed="rId3"/>
+          <a:stretch>
+            <a:fillRect/>
+          </a:stretch>
+        </p:blipFill>
+        <p:spPr>
+          <a:xfrm>
+            <a:off x="8121210" y="209787"/>
+            <a:ext cx="338328" cy="384048"/>
+          </a:xfrm>
+          <a:prstGeom prst="rect">
+            <a:avLst/>
+          </a:prstGeom>
+        </p:spPr>
+      </p:pic>
+      <p:pic>
+        <p:nvPicPr>
+          <p:cNvPr id="8" name="Image 3" descr="preencoded.png">
+            <a:extLst>
+              <a:ext uri="{FF2B5EF4-FFF2-40B4-BE49-F238E27FC236}">
+                <a16:creationId xmlns:a16="http://schemas.microsoft.com/office/drawing/2014/main" id="{13F5862A-35F0-F303-4D93-379558AA2045}"/>
+              </a:ext>
+            </a:extLst>
+          </p:cNvPr>
+          <p:cNvPicPr>
+            <a:picLocks noChangeAspect="1"/>
+          </p:cNvPicPr>
+          <p:nvPr/>
+        </p:nvPicPr>
+        <p:blipFill>
+          <a:blip r:embed="rId4"/>
+          <a:stretch>
+            <a:fillRect/>
+          </a:stretch>
+        </p:blipFill>
+        <p:spPr>
+          <a:xfrm>
+            <a:off x="8196245" y="2296219"/>
+            <a:ext cx="384048" cy="384048"/>
+          </a:xfrm>
+          <a:prstGeom prst="rect">
+            <a:avLst/>
+          </a:prstGeom>
+        </p:spPr>
+      </p:pic>
     </p:spTree>
     <p:extLst>
       <p:ext uri="{BB962C8B-B14F-4D97-AF65-F5344CB8AC3E}">
